--- a/DATSUN_Ignition_Harness.pptx
+++ b/DATSUN_Ignition_Harness.pptx
@@ -105,6 +105,11 @@
       </a:defRPr>
     </a:lvl9pPr>
   </p:defaultTextStyle>
+  <p:extLst>
+    <p:ext uri="{EFAFB233-063F-42B5-8137-9DF3F51BA10A}">
+      <p15:sldGuideLst xmlns:p15="http://schemas.microsoft.com/office/powerpoint/2012/main"/>
+    </p:ext>
+  </p:extLst>
 </p:presentation>
 </file>
 
@@ -255,7 +260,7 @@
           <a:p>
             <a:fld id="{7A770176-A370-DE43-A6EC-E0F065081650}" type="datetimeFigureOut">
               <a:rPr lang="en-US" smtClean="0"/>
-              <a:t>3/14/22</a:t>
+              <a:t>3/17/2022</a:t>
             </a:fld>
             <a:endParaRPr lang="en-US"/>
           </a:p>
@@ -453,7 +458,7 @@
           <a:p>
             <a:fld id="{7A770176-A370-DE43-A6EC-E0F065081650}" type="datetimeFigureOut">
               <a:rPr lang="en-US" smtClean="0"/>
-              <a:t>3/14/22</a:t>
+              <a:t>3/17/2022</a:t>
             </a:fld>
             <a:endParaRPr lang="en-US"/>
           </a:p>
@@ -661,7 +666,7 @@
           <a:p>
             <a:fld id="{7A770176-A370-DE43-A6EC-E0F065081650}" type="datetimeFigureOut">
               <a:rPr lang="en-US" smtClean="0"/>
-              <a:t>3/14/22</a:t>
+              <a:t>3/17/2022</a:t>
             </a:fld>
             <a:endParaRPr lang="en-US"/>
           </a:p>
@@ -859,7 +864,7 @@
           <a:p>
             <a:fld id="{7A770176-A370-DE43-A6EC-E0F065081650}" type="datetimeFigureOut">
               <a:rPr lang="en-US" smtClean="0"/>
-              <a:t>3/14/22</a:t>
+              <a:t>3/17/2022</a:t>
             </a:fld>
             <a:endParaRPr lang="en-US"/>
           </a:p>
@@ -1134,7 +1139,7 @@
           <a:p>
             <a:fld id="{7A770176-A370-DE43-A6EC-E0F065081650}" type="datetimeFigureOut">
               <a:rPr lang="en-US" smtClean="0"/>
-              <a:t>3/14/22</a:t>
+              <a:t>3/17/2022</a:t>
             </a:fld>
             <a:endParaRPr lang="en-US"/>
           </a:p>
@@ -1399,7 +1404,7 @@
           <a:p>
             <a:fld id="{7A770176-A370-DE43-A6EC-E0F065081650}" type="datetimeFigureOut">
               <a:rPr lang="en-US" smtClean="0"/>
-              <a:t>3/14/22</a:t>
+              <a:t>3/17/2022</a:t>
             </a:fld>
             <a:endParaRPr lang="en-US"/>
           </a:p>
@@ -1811,7 +1816,7 @@
           <a:p>
             <a:fld id="{7A770176-A370-DE43-A6EC-E0F065081650}" type="datetimeFigureOut">
               <a:rPr lang="en-US" smtClean="0"/>
-              <a:t>3/14/22</a:t>
+              <a:t>3/17/2022</a:t>
             </a:fld>
             <a:endParaRPr lang="en-US"/>
           </a:p>
@@ -1952,7 +1957,7 @@
           <a:p>
             <a:fld id="{7A770176-A370-DE43-A6EC-E0F065081650}" type="datetimeFigureOut">
               <a:rPr lang="en-US" smtClean="0"/>
-              <a:t>3/14/22</a:t>
+              <a:t>3/17/2022</a:t>
             </a:fld>
             <a:endParaRPr lang="en-US"/>
           </a:p>
@@ -2065,7 +2070,7 @@
           <a:p>
             <a:fld id="{7A770176-A370-DE43-A6EC-E0F065081650}" type="datetimeFigureOut">
               <a:rPr lang="en-US" smtClean="0"/>
-              <a:t>3/14/22</a:t>
+              <a:t>3/17/2022</a:t>
             </a:fld>
             <a:endParaRPr lang="en-US"/>
           </a:p>
@@ -2376,7 +2381,7 @@
           <a:p>
             <a:fld id="{7A770176-A370-DE43-A6EC-E0F065081650}" type="datetimeFigureOut">
               <a:rPr lang="en-US" smtClean="0"/>
-              <a:t>3/14/22</a:t>
+              <a:t>3/17/2022</a:t>
             </a:fld>
             <a:endParaRPr lang="en-US"/>
           </a:p>
@@ -2664,7 +2669,7 @@
           <a:p>
             <a:fld id="{7A770176-A370-DE43-A6EC-E0F065081650}" type="datetimeFigureOut">
               <a:rPr lang="en-US" smtClean="0"/>
-              <a:t>3/14/22</a:t>
+              <a:t>3/17/2022</a:t>
             </a:fld>
             <a:endParaRPr lang="en-US"/>
           </a:p>
@@ -2905,7 +2910,7 @@
           <a:p>
             <a:fld id="{7A770176-A370-DE43-A6EC-E0F065081650}" type="datetimeFigureOut">
               <a:rPr lang="en-US" smtClean="0"/>
-              <a:t>3/14/22</a:t>
+              <a:t>3/17/2022</a:t>
             </a:fld>
             <a:endParaRPr lang="en-US"/>
           </a:p>
@@ -5711,6 +5716,321 @@
           </a:p>
         </p:txBody>
       </p:sp>
+      <p:sp>
+        <p:nvSpPr>
+          <p:cNvPr id="62" name="Rectangle 61">
+            <a:extLst>
+              <a:ext uri="{FF2B5EF4-FFF2-40B4-BE49-F238E27FC236}">
+                <a16:creationId xmlns:a16="http://schemas.microsoft.com/office/drawing/2014/main" id="{C8E35005-1BBD-41D1-9512-C3B9B57FEF3C}"/>
+              </a:ext>
+            </a:extLst>
+          </p:cNvPr>
+          <p:cNvSpPr/>
+          <p:nvPr/>
+        </p:nvSpPr>
+        <p:spPr>
+          <a:xfrm>
+            <a:off x="3801977" y="643458"/>
+            <a:ext cx="1395663" cy="1001026"/>
+          </a:xfrm>
+          <a:prstGeom prst="rect">
+            <a:avLst/>
+          </a:prstGeom>
+          <a:noFill/>
+          <a:ln w="38100">
+            <a:solidFill>
+              <a:schemeClr val="accent2"/>
+            </a:solidFill>
+          </a:ln>
+        </p:spPr>
+        <p:style>
+          <a:lnRef idx="2">
+            <a:schemeClr val="accent1">
+              <a:shade val="50000"/>
+            </a:schemeClr>
+          </a:lnRef>
+          <a:fillRef idx="1">
+            <a:schemeClr val="accent1"/>
+          </a:fillRef>
+          <a:effectRef idx="0">
+            <a:schemeClr val="accent1"/>
+          </a:effectRef>
+          <a:fontRef idx="minor">
+            <a:schemeClr val="lt1"/>
+          </a:fontRef>
+        </p:style>
+        <p:txBody>
+          <a:bodyPr rtlCol="0" anchor="ctr"/>
+          <a:lstStyle/>
+          <a:p>
+            <a:pPr algn="ctr"/>
+            <a:r>
+              <a:rPr lang="en-US" dirty="0">
+                <a:solidFill>
+                  <a:schemeClr val="tx1"/>
+                </a:solidFill>
+              </a:rPr>
+              <a:t>ALTERNATOR</a:t>
+            </a:r>
+          </a:p>
+        </p:txBody>
+      </p:sp>
+      <p:cxnSp>
+        <p:nvCxnSpPr>
+          <p:cNvPr id="65" name="Straight Connector 64">
+            <a:extLst>
+              <a:ext uri="{FF2B5EF4-FFF2-40B4-BE49-F238E27FC236}">
+                <a16:creationId xmlns:a16="http://schemas.microsoft.com/office/drawing/2014/main" id="{A8722806-029E-4C1B-AF11-BCD1ADF65AA4}"/>
+              </a:ext>
+            </a:extLst>
+          </p:cNvPr>
+          <p:cNvCxnSpPr>
+            <a:cxnSpLocks/>
+          </p:cNvCxnSpPr>
+          <p:nvPr/>
+        </p:nvCxnSpPr>
+        <p:spPr>
+          <a:xfrm flipH="1" flipV="1">
+            <a:off x="3157085" y="1505984"/>
+            <a:ext cx="1" cy="743125"/>
+          </a:xfrm>
+          <a:prstGeom prst="line">
+            <a:avLst/>
+          </a:prstGeom>
+          <a:ln w="28575"/>
+        </p:spPr>
+        <p:style>
+          <a:lnRef idx="1">
+            <a:schemeClr val="dk1"/>
+          </a:lnRef>
+          <a:fillRef idx="0">
+            <a:schemeClr val="dk1"/>
+          </a:fillRef>
+          <a:effectRef idx="0">
+            <a:schemeClr val="dk1"/>
+          </a:effectRef>
+          <a:fontRef idx="minor">
+            <a:schemeClr val="tx1"/>
+          </a:fontRef>
+        </p:style>
+      </p:cxnSp>
+      <p:sp>
+        <p:nvSpPr>
+          <p:cNvPr id="67" name="TextBox 66">
+            <a:extLst>
+              <a:ext uri="{FF2B5EF4-FFF2-40B4-BE49-F238E27FC236}">
+                <a16:creationId xmlns:a16="http://schemas.microsoft.com/office/drawing/2014/main" id="{DCAAB971-00D5-4881-9875-01AA77BF9C06}"/>
+              </a:ext>
+            </a:extLst>
+          </p:cNvPr>
+          <p:cNvSpPr txBox="1"/>
+          <p:nvPr/>
+        </p:nvSpPr>
+        <p:spPr>
+          <a:xfrm flipH="1">
+            <a:off x="3770008" y="1367485"/>
+            <a:ext cx="797045" cy="276999"/>
+          </a:xfrm>
+          <a:prstGeom prst="rect">
+            <a:avLst/>
+          </a:prstGeom>
+          <a:noFill/>
+        </p:spPr>
+        <p:txBody>
+          <a:bodyPr wrap="square" rtlCol="0">
+            <a:spAutoFit/>
+          </a:bodyPr>
+          <a:lstStyle/>
+          <a:p>
+            <a:r>
+              <a:rPr lang="en-US" sz="1200" dirty="0"/>
+              <a:t>BATT</a:t>
+            </a:r>
+          </a:p>
+        </p:txBody>
+      </p:sp>
+      <p:cxnSp>
+        <p:nvCxnSpPr>
+          <p:cNvPr id="69" name="Straight Connector 68">
+            <a:extLst>
+              <a:ext uri="{FF2B5EF4-FFF2-40B4-BE49-F238E27FC236}">
+                <a16:creationId xmlns:a16="http://schemas.microsoft.com/office/drawing/2014/main" id="{A03176D7-9AA0-4752-83AD-6346BEE00229}"/>
+              </a:ext>
+            </a:extLst>
+          </p:cNvPr>
+          <p:cNvCxnSpPr>
+            <a:cxnSpLocks/>
+          </p:cNvCxnSpPr>
+          <p:nvPr/>
+        </p:nvCxnSpPr>
+        <p:spPr>
+          <a:xfrm>
+            <a:off x="3147787" y="1507018"/>
+            <a:ext cx="634615" cy="0"/>
+          </a:xfrm>
+          <a:prstGeom prst="line">
+            <a:avLst/>
+          </a:prstGeom>
+          <a:ln w="28575"/>
+        </p:spPr>
+        <p:style>
+          <a:lnRef idx="1">
+            <a:schemeClr val="dk1"/>
+          </a:lnRef>
+          <a:fillRef idx="0">
+            <a:schemeClr val="dk1"/>
+          </a:fillRef>
+          <a:effectRef idx="0">
+            <a:schemeClr val="dk1"/>
+          </a:effectRef>
+          <a:fontRef idx="minor">
+            <a:schemeClr val="tx1"/>
+          </a:fontRef>
+        </p:style>
+      </p:cxnSp>
+      <p:sp>
+        <p:nvSpPr>
+          <p:cNvPr id="76" name="TextBox 75">
+            <a:extLst>
+              <a:ext uri="{FF2B5EF4-FFF2-40B4-BE49-F238E27FC236}">
+                <a16:creationId xmlns:a16="http://schemas.microsoft.com/office/drawing/2014/main" id="{EEC66510-C6ED-484E-909E-12D99A78215D}"/>
+              </a:ext>
+            </a:extLst>
+          </p:cNvPr>
+          <p:cNvSpPr txBox="1"/>
+          <p:nvPr/>
+        </p:nvSpPr>
+        <p:spPr>
+          <a:xfrm flipH="1">
+            <a:off x="4781452" y="1367485"/>
+            <a:ext cx="797045" cy="276999"/>
+          </a:xfrm>
+          <a:prstGeom prst="rect">
+            <a:avLst/>
+          </a:prstGeom>
+          <a:noFill/>
+        </p:spPr>
+        <p:txBody>
+          <a:bodyPr wrap="square" rtlCol="0">
+            <a:spAutoFit/>
+          </a:bodyPr>
+          <a:lstStyle/>
+          <a:p>
+            <a:r>
+              <a:rPr lang="en-US" sz="1200" dirty="0"/>
+              <a:t>GND</a:t>
+            </a:r>
+          </a:p>
+        </p:txBody>
+      </p:sp>
+      <p:pic>
+        <p:nvPicPr>
+          <p:cNvPr id="77" name="Picture 76">
+            <a:extLst>
+              <a:ext uri="{FF2B5EF4-FFF2-40B4-BE49-F238E27FC236}">
+                <a16:creationId xmlns:a16="http://schemas.microsoft.com/office/drawing/2014/main" id="{A0EC7623-4F11-494C-B654-E48A8BECDB2A}"/>
+              </a:ext>
+            </a:extLst>
+          </p:cNvPr>
+          <p:cNvPicPr>
+            <a:picLocks noChangeAspect="1"/>
+          </p:cNvPicPr>
+          <p:nvPr/>
+        </p:nvPicPr>
+        <p:blipFill>
+          <a:blip r:embed="rId2"/>
+          <a:stretch>
+            <a:fillRect/>
+          </a:stretch>
+        </p:blipFill>
+        <p:spPr>
+          <a:xfrm>
+            <a:off x="5333310" y="1784929"/>
+            <a:ext cx="405404" cy="225224"/>
+          </a:xfrm>
+          <a:prstGeom prst="rect">
+            <a:avLst/>
+          </a:prstGeom>
+        </p:spPr>
+      </p:pic>
+      <p:cxnSp>
+        <p:nvCxnSpPr>
+          <p:cNvPr id="82" name="Straight Connector 81">
+            <a:extLst>
+              <a:ext uri="{FF2B5EF4-FFF2-40B4-BE49-F238E27FC236}">
+                <a16:creationId xmlns:a16="http://schemas.microsoft.com/office/drawing/2014/main" id="{B7B1D062-56B1-4E08-BFA2-9C30FB20B74C}"/>
+              </a:ext>
+            </a:extLst>
+          </p:cNvPr>
+          <p:cNvCxnSpPr>
+            <a:cxnSpLocks/>
+          </p:cNvCxnSpPr>
+          <p:nvPr/>
+        </p:nvCxnSpPr>
+        <p:spPr>
+          <a:xfrm flipH="1" flipV="1">
+            <a:off x="5536012" y="1511366"/>
+            <a:ext cx="992" cy="319456"/>
+          </a:xfrm>
+          <a:prstGeom prst="line">
+            <a:avLst/>
+          </a:prstGeom>
+          <a:ln w="28575"/>
+        </p:spPr>
+        <p:style>
+          <a:lnRef idx="1">
+            <a:schemeClr val="dk1"/>
+          </a:lnRef>
+          <a:fillRef idx="0">
+            <a:schemeClr val="dk1"/>
+          </a:fillRef>
+          <a:effectRef idx="0">
+            <a:schemeClr val="dk1"/>
+          </a:effectRef>
+          <a:fontRef idx="minor">
+            <a:schemeClr val="tx1"/>
+          </a:fontRef>
+        </p:style>
+      </p:cxnSp>
+      <p:cxnSp>
+        <p:nvCxnSpPr>
+          <p:cNvPr id="83" name="Straight Connector 82">
+            <a:extLst>
+              <a:ext uri="{FF2B5EF4-FFF2-40B4-BE49-F238E27FC236}">
+                <a16:creationId xmlns:a16="http://schemas.microsoft.com/office/drawing/2014/main" id="{B365871C-6CB2-4907-8AA1-9851D87AFCCD}"/>
+              </a:ext>
+            </a:extLst>
+          </p:cNvPr>
+          <p:cNvCxnSpPr>
+            <a:cxnSpLocks/>
+          </p:cNvCxnSpPr>
+          <p:nvPr/>
+        </p:nvCxnSpPr>
+        <p:spPr>
+          <a:xfrm>
+            <a:off x="5213342" y="1517515"/>
+            <a:ext cx="324157" cy="1"/>
+          </a:xfrm>
+          <a:prstGeom prst="line">
+            <a:avLst/>
+          </a:prstGeom>
+          <a:ln w="28575"/>
+        </p:spPr>
+        <p:style>
+          <a:lnRef idx="1">
+            <a:schemeClr val="dk1"/>
+          </a:lnRef>
+          <a:fillRef idx="0">
+            <a:schemeClr val="dk1"/>
+          </a:fillRef>
+          <a:effectRef idx="0">
+            <a:schemeClr val="dk1"/>
+          </a:effectRef>
+          <a:fontRef idx="minor">
+            <a:schemeClr val="tx1"/>
+          </a:fontRef>
+        </p:style>
+      </p:cxnSp>
     </p:spTree>
     <p:extLst>
       <p:ext uri="{BB962C8B-B14F-4D97-AF65-F5344CB8AC3E}">
